--- a/cpp_blocks/C++ Application Development with Code.pptx
+++ b/cpp_blocks/C++ Application Development with Code.pptx
@@ -5,15 +5,16 @@
     <p:sldMasterId id="2147483650" r:id="rId4"/>
   </p:sldMasterIdLst>
   <p:notesMasterIdLst>
-    <p:notesMasterId r:id="rId8"/>
+    <p:notesMasterId r:id="rId9"/>
   </p:notesMasterIdLst>
   <p:handoutMasterIdLst>
-    <p:handoutMasterId r:id="rId9"/>
+    <p:handoutMasterId r:id="rId10"/>
   </p:handoutMasterIdLst>
   <p:sldIdLst>
     <p:sldId id="312" r:id="rId5"/>
     <p:sldId id="313" r:id="rId6"/>
     <p:sldId id="314" r:id="rId7"/>
+    <p:sldId id="315" r:id="rId8"/>
   </p:sldIdLst>
   <p:sldSz cx="12192000" cy="6858000"/>
   <p:notesSz cx="13716000" cy="24384000"/>
@@ -610,6 +611,89 @@
     <p:extLst>
       <p:ext uri="{BB962C8B-B14F-4D97-AF65-F5344CB8AC3E}">
         <p14:creationId xmlns:p14="http://schemas.microsoft.com/office/powerpoint/2010/main" val="2997654815"/>
+      </p:ext>
+    </p:extLst>
+  </p:cSld>
+  <p:clrMapOvr>
+    <a:masterClrMapping/>
+  </p:clrMapOvr>
+</p:notes>
+</file>
+
+<file path=ppt/notesSlides/notesSlide2.xml><?xml version="1.0" encoding="utf-8"?>
+<p:notes xmlns:a="http://schemas.openxmlformats.org/drawingml/2006/main" xmlns:r="http://schemas.openxmlformats.org/officeDocument/2006/relationships" xmlns:p="http://schemas.openxmlformats.org/presentationml/2006/main">
+  <p:cSld>
+    <p:spTree>
+      <p:nvGrpSpPr>
+        <p:cNvPr id="1" name=""/>
+        <p:cNvGrpSpPr/>
+        <p:nvPr/>
+      </p:nvGrpSpPr>
+      <p:grpSpPr>
+        <a:xfrm>
+          <a:off x="0" y="0"/>
+          <a:ext cx="0" cy="0"/>
+          <a:chOff x="0" y="0"/>
+          <a:chExt cx="0" cy="0"/>
+        </a:xfrm>
+      </p:grpSpPr>
+      <p:sp>
+        <p:nvSpPr>
+          <p:cNvPr id="2" name="Slide Image Placeholder 1"/>
+          <p:cNvSpPr>
+            <a:spLocks noGrp="1" noRot="1" noChangeAspect="1"/>
+          </p:cNvSpPr>
+          <p:nvPr>
+            <p:ph type="sldImg"/>
+          </p:nvPr>
+        </p:nvSpPr>
+        <p:spPr>
+          <a:xfrm>
+            <a:off x="-457200" y="3048000"/>
+            <a:ext cx="14630400" cy="8229600"/>
+          </a:xfrm>
+          <a:prstGeom prst="rect">
+            <a:avLst/>
+          </a:prstGeom>
+          <a:noFill/>
+          <a:ln w="12700">
+            <a:solidFill>
+              <a:prstClr val="black"/>
+            </a:solidFill>
+          </a:ln>
+        </p:spPr>
+      </p:sp>
+      <p:sp>
+        <p:nvSpPr>
+          <p:cNvPr id="3" name="Notes Placeholder 2"/>
+          <p:cNvSpPr>
+            <a:spLocks noGrp="1"/>
+          </p:cNvSpPr>
+          <p:nvPr>
+            <p:ph type="body" idx="1"/>
+          </p:nvPr>
+        </p:nvSpPr>
+        <p:spPr>
+          <a:xfrm>
+            <a:off x="1371600" y="11734800"/>
+            <a:ext cx="10972800" cy="9601200"/>
+          </a:xfrm>
+          <a:prstGeom prst="rect">
+            <a:avLst/>
+          </a:prstGeom>
+        </p:spPr>
+        <p:txBody>
+          <a:bodyPr/>
+          <a:lstStyle/>
+          <a:p>
+            <a:endParaRPr lang="en-US" dirty="0"/>
+          </a:p>
+        </p:txBody>
+      </p:sp>
+    </p:spTree>
+    <p:extLst>
+      <p:ext uri="{BB962C8B-B14F-4D97-AF65-F5344CB8AC3E}">
+        <p14:creationId xmlns:p14="http://schemas.microsoft.com/office/powerpoint/2010/main" val="916447523"/>
       </p:ext>
     </p:extLst>
   </p:cSld>
@@ -17421,6 +17505,351 @@
 </p:sld>
 </file>
 
+<file path=ppt/slides/slide4.xml><?xml version="1.0" encoding="utf-8"?>
+<p:sld xmlns:a="http://schemas.openxmlformats.org/drawingml/2006/main" xmlns:r="http://schemas.openxmlformats.org/officeDocument/2006/relationships" xmlns:p="http://schemas.openxmlformats.org/presentationml/2006/main">
+  <p:cSld>
+    <p:spTree>
+      <p:nvGrpSpPr>
+        <p:cNvPr id="1" name=""/>
+        <p:cNvGrpSpPr/>
+        <p:nvPr/>
+      </p:nvGrpSpPr>
+      <p:grpSpPr>
+        <a:xfrm>
+          <a:off x="0" y="0"/>
+          <a:ext cx="0" cy="0"/>
+          <a:chOff x="0" y="0"/>
+          <a:chExt cx="0" cy="0"/>
+        </a:xfrm>
+      </p:grpSpPr>
+      <p:sp>
+        <p:nvSpPr>
+          <p:cNvPr id="2" name="Title 1">
+            <a:extLst>
+              <a:ext uri="{FF2B5EF4-FFF2-40B4-BE49-F238E27FC236}">
+                <a16:creationId xmlns:a16="http://schemas.microsoft.com/office/drawing/2014/main" id="{4207FF65-A536-F639-8591-ED024C223308}"/>
+              </a:ext>
+            </a:extLst>
+          </p:cNvPr>
+          <p:cNvSpPr>
+            <a:spLocks noGrp="1"/>
+          </p:cNvSpPr>
+          <p:nvPr>
+            <p:ph type="title"/>
+          </p:nvPr>
+        </p:nvSpPr>
+        <p:spPr/>
+        <p:txBody>
+          <a:bodyPr anchor="ctr"/>
+          <a:lstStyle/>
+          <a:p>
+            <a:r>
+              <a:rPr lang="en-US" dirty="0"/>
+              <a:t>Install Code::Blocks on Windows</a:t>
+            </a:r>
+          </a:p>
+        </p:txBody>
+      </p:sp>
+      <p:pic>
+        <p:nvPicPr>
+          <p:cNvPr id="10" name="Content Placeholder 9">
+            <a:extLst>
+              <a:ext uri="{FF2B5EF4-FFF2-40B4-BE49-F238E27FC236}">
+                <a16:creationId xmlns:a16="http://schemas.microsoft.com/office/drawing/2014/main" id="{04F24CE6-EB6A-445E-1547-E3AC48E4FA63}"/>
+              </a:ext>
+            </a:extLst>
+          </p:cNvPr>
+          <p:cNvPicPr>
+            <a:picLocks noGrp="1" noChangeAspect="1"/>
+          </p:cNvPicPr>
+          <p:nvPr>
+            <p:ph sz="half" idx="2"/>
+          </p:nvPr>
+        </p:nvPicPr>
+        <p:blipFill>
+          <a:blip r:embed="rId3"/>
+          <a:stretch>
+            <a:fillRect/>
+          </a:stretch>
+        </p:blipFill>
+        <p:spPr>
+          <a:xfrm>
+            <a:off x="3544900" y="2303463"/>
+            <a:ext cx="7305352" cy="3497262"/>
+          </a:xfrm>
+          <a:prstGeom prst="rect">
+            <a:avLst/>
+          </a:prstGeom>
+          <a:ln>
+            <a:noFill/>
+          </a:ln>
+          <a:effectLst>
+            <a:outerShdw blurRad="292100" dist="139700" dir="2700000" algn="tl" rotWithShape="0">
+              <a:srgbClr val="333333">
+                <a:alpha val="65000"/>
+              </a:srgbClr>
+            </a:outerShdw>
+          </a:effectLst>
+        </p:spPr>
+      </p:pic>
+      <p:sp>
+        <p:nvSpPr>
+          <p:cNvPr id="3" name="TextBox 2">
+            <a:extLst>
+              <a:ext uri="{FF2B5EF4-FFF2-40B4-BE49-F238E27FC236}">
+                <a16:creationId xmlns:a16="http://schemas.microsoft.com/office/drawing/2014/main" id="{C0294719-0CD6-3563-2660-3275824870D0}"/>
+              </a:ext>
+            </a:extLst>
+          </p:cNvPr>
+          <p:cNvSpPr txBox="1"/>
+          <p:nvPr/>
+        </p:nvSpPr>
+        <p:spPr>
+          <a:xfrm>
+            <a:off x="420252" y="127600"/>
+            <a:ext cx="1686680" cy="1107996"/>
+          </a:xfrm>
+          <a:prstGeom prst="rect">
+            <a:avLst/>
+          </a:prstGeom>
+          <a:noFill/>
+        </p:spPr>
+        <p:txBody>
+          <a:bodyPr wrap="none" rtlCol="0">
+            <a:spAutoFit/>
+          </a:bodyPr>
+          <a:lstStyle/>
+          <a:p>
+            <a:pPr algn="ctr"/>
+            <a:r>
+              <a:rPr lang="en-US" sz="6600" dirty="0">
+                <a:latin typeface="Algerian" panose="04020705040A02060702" pitchFamily="82" charset="0"/>
+              </a:rPr>
+              <a:t>002</a:t>
+            </a:r>
+          </a:p>
+        </p:txBody>
+      </p:sp>
+      <p:pic>
+        <p:nvPicPr>
+          <p:cNvPr id="4" name="Picture 3">
+            <a:extLst>
+              <a:ext uri="{FF2B5EF4-FFF2-40B4-BE49-F238E27FC236}">
+                <a16:creationId xmlns:a16="http://schemas.microsoft.com/office/drawing/2014/main" id="{559E9607-3B2C-C761-ADFD-622B991A4537}"/>
+              </a:ext>
+            </a:extLst>
+          </p:cNvPr>
+          <p:cNvPicPr>
+            <a:picLocks noChangeAspect="1"/>
+          </p:cNvPicPr>
+          <p:nvPr/>
+        </p:nvPicPr>
+        <p:blipFill>
+          <a:blip r:embed="rId4"/>
+          <a:stretch>
+            <a:fillRect/>
+          </a:stretch>
+        </p:blipFill>
+        <p:spPr>
+          <a:xfrm>
+            <a:off x="203277" y="6284428"/>
+            <a:ext cx="2120630" cy="441606"/>
+          </a:xfrm>
+          <a:prstGeom prst="rect">
+            <a:avLst/>
+          </a:prstGeom>
+          <a:ln>
+            <a:noFill/>
+          </a:ln>
+          <a:effectLst>
+            <a:outerShdw blurRad="292100" dist="139700" dir="2700000" algn="tl" rotWithShape="0">
+              <a:srgbClr val="333333">
+                <a:alpha val="65000"/>
+              </a:srgbClr>
+            </a:outerShdw>
+          </a:effectLst>
+        </p:spPr>
+      </p:pic>
+      <p:pic>
+        <p:nvPicPr>
+          <p:cNvPr id="1026" name="Picture 2">
+            <a:extLst>
+              <a:ext uri="{FF2B5EF4-FFF2-40B4-BE49-F238E27FC236}">
+                <a16:creationId xmlns:a16="http://schemas.microsoft.com/office/drawing/2014/main" id="{68EF0A91-BC08-2472-710F-97A70A2E6CDC}"/>
+              </a:ext>
+            </a:extLst>
+          </p:cNvPr>
+          <p:cNvPicPr>
+            <a:picLocks noChangeAspect="1" noChangeArrowheads="1"/>
+          </p:cNvPicPr>
+          <p:nvPr/>
+        </p:nvPicPr>
+        <p:blipFill>
+          <a:blip r:embed="rId5">
+            <a:extLst>
+              <a:ext uri="{28A0092B-C50C-407E-A947-70E740481C1C}">
+                <a14:useLocalDpi xmlns:a14="http://schemas.microsoft.com/office/drawing/2010/main" val="0"/>
+              </a:ext>
+            </a:extLst>
+          </a:blip>
+          <a:srcRect/>
+          <a:stretch>
+            <a:fillRect/>
+          </a:stretch>
+        </p:blipFill>
+        <p:spPr bwMode="auto">
+          <a:xfrm>
+            <a:off x="258014" y="1701932"/>
+            <a:ext cx="2011156" cy="2898064"/>
+          </a:xfrm>
+          <a:prstGeom prst="roundRect">
+            <a:avLst>
+              <a:gd name="adj" fmla="val 8594"/>
+            </a:avLst>
+          </a:prstGeom>
+          <a:solidFill>
+            <a:srgbClr val="FFFFFF">
+              <a:shade val="85000"/>
+            </a:srgbClr>
+          </a:solidFill>
+          <a:ln>
+            <a:noFill/>
+          </a:ln>
+          <a:effectLst>
+            <a:reflection blurRad="12700" stA="38000" endPos="28000" dist="5000" dir="5400000" sy="-100000" algn="bl" rotWithShape="0"/>
+          </a:effectLst>
+          <a:extLst>
+            <a:ext uri="{909E8E84-426E-40DD-AFC4-6F175D3DCCD1}">
+              <a14:hiddenFill xmlns:a14="http://schemas.microsoft.com/office/drawing/2010/main">
+                <a:solidFill>
+                  <a:srgbClr val="FFFFFF"/>
+                </a:solidFill>
+              </a14:hiddenFill>
+            </a:ext>
+          </a:extLst>
+        </p:spPr>
+      </p:pic>
+      <p:pic>
+        <p:nvPicPr>
+          <p:cNvPr id="5" name="Picture 4">
+            <a:extLst>
+              <a:ext uri="{FF2B5EF4-FFF2-40B4-BE49-F238E27FC236}">
+                <a16:creationId xmlns:a16="http://schemas.microsoft.com/office/drawing/2014/main" id="{CB03C523-2DA0-4EFA-2C1D-2F9B862D96EE}"/>
+              </a:ext>
+            </a:extLst>
+          </p:cNvPr>
+          <p:cNvPicPr>
+            <a:picLocks noChangeAspect="1"/>
+          </p:cNvPicPr>
+          <p:nvPr/>
+        </p:nvPicPr>
+        <p:blipFill>
+          <a:blip r:embed="rId6"/>
+          <a:stretch>
+            <a:fillRect/>
+          </a:stretch>
+        </p:blipFill>
+        <p:spPr>
+          <a:xfrm>
+            <a:off x="2550736" y="63109"/>
+            <a:ext cx="994164" cy="994164"/>
+          </a:xfrm>
+          <a:prstGeom prst="rect">
+            <a:avLst/>
+          </a:prstGeom>
+          <a:ln>
+            <a:noFill/>
+          </a:ln>
+          <a:effectLst>
+            <a:outerShdw blurRad="292100" dist="139700" dir="2700000" algn="tl" rotWithShape="0">
+              <a:srgbClr val="333333">
+                <a:alpha val="65000"/>
+              </a:srgbClr>
+            </a:outerShdw>
+          </a:effectLst>
+        </p:spPr>
+      </p:pic>
+      <p:sp>
+        <p:nvSpPr>
+          <p:cNvPr id="6" name="TextBox 5">
+            <a:extLst>
+              <a:ext uri="{FF2B5EF4-FFF2-40B4-BE49-F238E27FC236}">
+                <a16:creationId xmlns:a16="http://schemas.microsoft.com/office/drawing/2014/main" id="{0620A1E2-6220-5BD6-DB79-3D82E3942C7C}"/>
+              </a:ext>
+            </a:extLst>
+          </p:cNvPr>
+          <p:cNvSpPr txBox="1"/>
+          <p:nvPr/>
+        </p:nvSpPr>
+        <p:spPr>
+          <a:xfrm>
+            <a:off x="2662754" y="6305176"/>
+            <a:ext cx="8187498" cy="400110"/>
+          </a:xfrm>
+          <a:prstGeom prst="rect">
+            <a:avLst/>
+          </a:prstGeom>
+          <a:noFill/>
+        </p:spPr>
+        <p:txBody>
+          <a:bodyPr wrap="none" rtlCol="0">
+            <a:spAutoFit/>
+          </a:bodyPr>
+          <a:lstStyle/>
+          <a:p>
+            <a:r>
+              <a:rPr lang="en-US" sz="2000" b="1" dirty="0">
+                <a:solidFill>
+                  <a:schemeClr val="accent6">
+                    <a:lumMod val="60000"/>
+                    <a:lumOff val="40000"/>
+                  </a:schemeClr>
+                </a:solidFill>
+              </a:rPr>
+              <a:t>GitHub: </a:t>
+            </a:r>
+            <a:r>
+              <a:rPr lang="en-US" sz="2000" b="1" dirty="0">
+                <a:solidFill>
+                  <a:schemeClr val="accent6">
+                    <a:lumMod val="60000"/>
+                    <a:lumOff val="40000"/>
+                  </a:schemeClr>
+                </a:solidFill>
+                <a:hlinkClick r:id="rId7">
+                  <a:extLst>
+                    <a:ext uri="{A12FA001-AC4F-418D-AE19-62706E023703}">
+                      <ahyp:hlinkClr xmlns:ahyp="http://schemas.microsoft.com/office/drawing/2018/hyperlinkcolor" val="tx"/>
+                    </a:ext>
+                  </a:extLst>
+                </a:hlinkClick>
+              </a:rPr>
+              <a:t>https://github.com/yasenstar/learn_cpp/tree/main/cpp_blocks</a:t>
+            </a:r>
+            <a:endParaRPr lang="en-US" sz="2000" b="1" dirty="0">
+              <a:solidFill>
+                <a:schemeClr val="accent6">
+                  <a:lumMod val="60000"/>
+                  <a:lumOff val="40000"/>
+                </a:schemeClr>
+              </a:solidFill>
+            </a:endParaRPr>
+          </a:p>
+        </p:txBody>
+      </p:sp>
+    </p:spTree>
+    <p:extLst>
+      <p:ext uri="{BB962C8B-B14F-4D97-AF65-F5344CB8AC3E}">
+        <p14:creationId xmlns:p14="http://schemas.microsoft.com/office/powerpoint/2010/main" val="3062071193"/>
+      </p:ext>
+    </p:extLst>
+  </p:cSld>
+  <p:clrMapOvr>
+    <a:masterClrMapping/>
+  </p:clrMapOvr>
+</p:sld>
+</file>
+
 <file path=ppt/theme/theme1.xml><?xml version="1.0" encoding="utf-8"?>
 <a:theme xmlns:a="http://schemas.openxmlformats.org/drawingml/2006/main" name="Custom">
   <a:themeElements>

--- a/cpp_blocks/C++ Application Development with Code.pptx
+++ b/cpp_blocks/C++ Application Development with Code.pptx
@@ -5,16 +5,17 @@
     <p:sldMasterId id="2147483650" r:id="rId4"/>
   </p:sldMasterIdLst>
   <p:notesMasterIdLst>
-    <p:notesMasterId r:id="rId9"/>
+    <p:notesMasterId r:id="rId10"/>
   </p:notesMasterIdLst>
   <p:handoutMasterIdLst>
-    <p:handoutMasterId r:id="rId10"/>
+    <p:handoutMasterId r:id="rId11"/>
   </p:handoutMasterIdLst>
   <p:sldIdLst>
     <p:sldId id="312" r:id="rId5"/>
     <p:sldId id="313" r:id="rId6"/>
     <p:sldId id="314" r:id="rId7"/>
     <p:sldId id="315" r:id="rId8"/>
+    <p:sldId id="316" r:id="rId9"/>
   </p:sldIdLst>
   <p:sldSz cx="12192000" cy="6858000"/>
   <p:notesSz cx="13716000" cy="24384000"/>
@@ -694,6 +695,89 @@
     <p:extLst>
       <p:ext uri="{BB962C8B-B14F-4D97-AF65-F5344CB8AC3E}">
         <p14:creationId xmlns:p14="http://schemas.microsoft.com/office/powerpoint/2010/main" val="916447523"/>
+      </p:ext>
+    </p:extLst>
+  </p:cSld>
+  <p:clrMapOvr>
+    <a:masterClrMapping/>
+  </p:clrMapOvr>
+</p:notes>
+</file>
+
+<file path=ppt/notesSlides/notesSlide3.xml><?xml version="1.0" encoding="utf-8"?>
+<p:notes xmlns:a="http://schemas.openxmlformats.org/drawingml/2006/main" xmlns:r="http://schemas.openxmlformats.org/officeDocument/2006/relationships" xmlns:p="http://schemas.openxmlformats.org/presentationml/2006/main">
+  <p:cSld>
+    <p:spTree>
+      <p:nvGrpSpPr>
+        <p:cNvPr id="1" name=""/>
+        <p:cNvGrpSpPr/>
+        <p:nvPr/>
+      </p:nvGrpSpPr>
+      <p:grpSpPr>
+        <a:xfrm>
+          <a:off x="0" y="0"/>
+          <a:ext cx="0" cy="0"/>
+          <a:chOff x="0" y="0"/>
+          <a:chExt cx="0" cy="0"/>
+        </a:xfrm>
+      </p:grpSpPr>
+      <p:sp>
+        <p:nvSpPr>
+          <p:cNvPr id="2" name="Slide Image Placeholder 1"/>
+          <p:cNvSpPr>
+            <a:spLocks noGrp="1" noRot="1" noChangeAspect="1"/>
+          </p:cNvSpPr>
+          <p:nvPr>
+            <p:ph type="sldImg"/>
+          </p:nvPr>
+        </p:nvSpPr>
+        <p:spPr>
+          <a:xfrm>
+            <a:off x="-457200" y="3048000"/>
+            <a:ext cx="14630400" cy="8229600"/>
+          </a:xfrm>
+          <a:prstGeom prst="rect">
+            <a:avLst/>
+          </a:prstGeom>
+          <a:noFill/>
+          <a:ln w="12700">
+            <a:solidFill>
+              <a:prstClr val="black"/>
+            </a:solidFill>
+          </a:ln>
+        </p:spPr>
+      </p:sp>
+      <p:sp>
+        <p:nvSpPr>
+          <p:cNvPr id="3" name="Notes Placeholder 2"/>
+          <p:cNvSpPr>
+            <a:spLocks noGrp="1"/>
+          </p:cNvSpPr>
+          <p:nvPr>
+            <p:ph type="body" idx="1"/>
+          </p:nvPr>
+        </p:nvSpPr>
+        <p:spPr>
+          <a:xfrm>
+            <a:off x="1371600" y="11734800"/>
+            <a:ext cx="10972800" cy="9601200"/>
+          </a:xfrm>
+          <a:prstGeom prst="rect">
+            <a:avLst/>
+          </a:prstGeom>
+        </p:spPr>
+        <p:txBody>
+          <a:bodyPr/>
+          <a:lstStyle/>
+          <a:p>
+            <a:endParaRPr lang="en-US" dirty="0"/>
+          </a:p>
+        </p:txBody>
+      </p:sp>
+    </p:spTree>
+    <p:extLst>
+      <p:ext uri="{BB962C8B-B14F-4D97-AF65-F5344CB8AC3E}">
+        <p14:creationId xmlns:p14="http://schemas.microsoft.com/office/powerpoint/2010/main" val="3878258256"/>
       </p:ext>
     </p:extLst>
   </p:cSld>
@@ -17850,6 +17934,343 @@
 </p:sld>
 </file>
 
+<file path=ppt/slides/slide5.xml><?xml version="1.0" encoding="utf-8"?>
+<p:sld xmlns:a="http://schemas.openxmlformats.org/drawingml/2006/main" xmlns:r="http://schemas.openxmlformats.org/officeDocument/2006/relationships" xmlns:p="http://schemas.openxmlformats.org/presentationml/2006/main">
+  <p:cSld>
+    <p:spTree>
+      <p:nvGrpSpPr>
+        <p:cNvPr id="1" name=""/>
+        <p:cNvGrpSpPr/>
+        <p:nvPr/>
+      </p:nvGrpSpPr>
+      <p:grpSpPr>
+        <a:xfrm>
+          <a:off x="0" y="0"/>
+          <a:ext cx="0" cy="0"/>
+          <a:chOff x="0" y="0"/>
+          <a:chExt cx="0" cy="0"/>
+        </a:xfrm>
+      </p:grpSpPr>
+      <p:sp>
+        <p:nvSpPr>
+          <p:cNvPr id="2" name="Title 1">
+            <a:extLst>
+              <a:ext uri="{FF2B5EF4-FFF2-40B4-BE49-F238E27FC236}">
+                <a16:creationId xmlns:a16="http://schemas.microsoft.com/office/drawing/2014/main" id="{4207FF65-A536-F639-8591-ED024C223308}"/>
+              </a:ext>
+            </a:extLst>
+          </p:cNvPr>
+          <p:cNvSpPr>
+            <a:spLocks noGrp="1"/>
+          </p:cNvSpPr>
+          <p:nvPr>
+            <p:ph type="title"/>
+          </p:nvPr>
+        </p:nvSpPr>
+        <p:spPr/>
+        <p:txBody>
+          <a:bodyPr anchor="ctr"/>
+          <a:lstStyle/>
+          <a:p>
+            <a:r>
+              <a:rPr lang="en-US"/>
+              <a:t>Create First App with Code::Blocks</a:t>
+            </a:r>
+            <a:endParaRPr lang="en-US" dirty="0"/>
+          </a:p>
+        </p:txBody>
+      </p:sp>
+      <p:sp>
+        <p:nvSpPr>
+          <p:cNvPr id="3" name="TextBox 2">
+            <a:extLst>
+              <a:ext uri="{FF2B5EF4-FFF2-40B4-BE49-F238E27FC236}">
+                <a16:creationId xmlns:a16="http://schemas.microsoft.com/office/drawing/2014/main" id="{C0294719-0CD6-3563-2660-3275824870D0}"/>
+              </a:ext>
+            </a:extLst>
+          </p:cNvPr>
+          <p:cNvSpPr txBox="1"/>
+          <p:nvPr/>
+        </p:nvSpPr>
+        <p:spPr>
+          <a:xfrm>
+            <a:off x="420252" y="127600"/>
+            <a:ext cx="1686680" cy="1107996"/>
+          </a:xfrm>
+          <a:prstGeom prst="rect">
+            <a:avLst/>
+          </a:prstGeom>
+          <a:noFill/>
+        </p:spPr>
+        <p:txBody>
+          <a:bodyPr wrap="none" rtlCol="0">
+            <a:spAutoFit/>
+          </a:bodyPr>
+          <a:lstStyle/>
+          <a:p>
+            <a:pPr algn="ctr"/>
+            <a:r>
+              <a:rPr lang="en-US" sz="6600" dirty="0">
+                <a:latin typeface="Algerian" panose="04020705040A02060702" pitchFamily="82" charset="0"/>
+              </a:rPr>
+              <a:t>003</a:t>
+            </a:r>
+          </a:p>
+        </p:txBody>
+      </p:sp>
+      <p:pic>
+        <p:nvPicPr>
+          <p:cNvPr id="4" name="Picture 3">
+            <a:extLst>
+              <a:ext uri="{FF2B5EF4-FFF2-40B4-BE49-F238E27FC236}">
+                <a16:creationId xmlns:a16="http://schemas.microsoft.com/office/drawing/2014/main" id="{559E9607-3B2C-C761-ADFD-622B991A4537}"/>
+              </a:ext>
+            </a:extLst>
+          </p:cNvPr>
+          <p:cNvPicPr>
+            <a:picLocks noChangeAspect="1"/>
+          </p:cNvPicPr>
+          <p:nvPr/>
+        </p:nvPicPr>
+        <p:blipFill>
+          <a:blip r:embed="rId3"/>
+          <a:stretch>
+            <a:fillRect/>
+          </a:stretch>
+        </p:blipFill>
+        <p:spPr>
+          <a:xfrm>
+            <a:off x="203277" y="6284428"/>
+            <a:ext cx="2120630" cy="441606"/>
+          </a:xfrm>
+          <a:prstGeom prst="rect">
+            <a:avLst/>
+          </a:prstGeom>
+          <a:ln>
+            <a:noFill/>
+          </a:ln>
+          <a:effectLst>
+            <a:outerShdw blurRad="292100" dist="139700" dir="2700000" algn="tl" rotWithShape="0">
+              <a:srgbClr val="333333">
+                <a:alpha val="65000"/>
+              </a:srgbClr>
+            </a:outerShdw>
+          </a:effectLst>
+        </p:spPr>
+      </p:pic>
+      <p:pic>
+        <p:nvPicPr>
+          <p:cNvPr id="1026" name="Picture 2">
+            <a:extLst>
+              <a:ext uri="{FF2B5EF4-FFF2-40B4-BE49-F238E27FC236}">
+                <a16:creationId xmlns:a16="http://schemas.microsoft.com/office/drawing/2014/main" id="{68EF0A91-BC08-2472-710F-97A70A2E6CDC}"/>
+              </a:ext>
+            </a:extLst>
+          </p:cNvPr>
+          <p:cNvPicPr>
+            <a:picLocks noChangeAspect="1" noChangeArrowheads="1"/>
+          </p:cNvPicPr>
+          <p:nvPr/>
+        </p:nvPicPr>
+        <p:blipFill>
+          <a:blip r:embed="rId4">
+            <a:extLst>
+              <a:ext uri="{28A0092B-C50C-407E-A947-70E740481C1C}">
+                <a14:useLocalDpi xmlns:a14="http://schemas.microsoft.com/office/drawing/2010/main" val="0"/>
+              </a:ext>
+            </a:extLst>
+          </a:blip>
+          <a:srcRect/>
+          <a:stretch>
+            <a:fillRect/>
+          </a:stretch>
+        </p:blipFill>
+        <p:spPr bwMode="auto">
+          <a:xfrm>
+            <a:off x="258014" y="1701932"/>
+            <a:ext cx="2011156" cy="2898064"/>
+          </a:xfrm>
+          <a:prstGeom prst="roundRect">
+            <a:avLst>
+              <a:gd name="adj" fmla="val 8594"/>
+            </a:avLst>
+          </a:prstGeom>
+          <a:solidFill>
+            <a:srgbClr val="FFFFFF">
+              <a:shade val="85000"/>
+            </a:srgbClr>
+          </a:solidFill>
+          <a:ln>
+            <a:noFill/>
+          </a:ln>
+          <a:effectLst>
+            <a:reflection blurRad="12700" stA="38000" endPos="28000" dist="5000" dir="5400000" sy="-100000" algn="bl" rotWithShape="0"/>
+          </a:effectLst>
+        </p:spPr>
+      </p:pic>
+      <p:pic>
+        <p:nvPicPr>
+          <p:cNvPr id="5" name="Picture 4">
+            <a:extLst>
+              <a:ext uri="{FF2B5EF4-FFF2-40B4-BE49-F238E27FC236}">
+                <a16:creationId xmlns:a16="http://schemas.microsoft.com/office/drawing/2014/main" id="{CB03C523-2DA0-4EFA-2C1D-2F9B862D96EE}"/>
+              </a:ext>
+            </a:extLst>
+          </p:cNvPr>
+          <p:cNvPicPr>
+            <a:picLocks noChangeAspect="1"/>
+          </p:cNvPicPr>
+          <p:nvPr/>
+        </p:nvPicPr>
+        <p:blipFill>
+          <a:blip r:embed="rId5"/>
+          <a:stretch>
+            <a:fillRect/>
+          </a:stretch>
+        </p:blipFill>
+        <p:spPr>
+          <a:xfrm>
+            <a:off x="2550736" y="63109"/>
+            <a:ext cx="994164" cy="994164"/>
+          </a:xfrm>
+          <a:prstGeom prst="rect">
+            <a:avLst/>
+          </a:prstGeom>
+          <a:ln>
+            <a:noFill/>
+          </a:ln>
+          <a:effectLst>
+            <a:outerShdw blurRad="292100" dist="139700" dir="2700000" algn="tl" rotWithShape="0">
+              <a:srgbClr val="333333">
+                <a:alpha val="65000"/>
+              </a:srgbClr>
+            </a:outerShdw>
+          </a:effectLst>
+        </p:spPr>
+      </p:pic>
+      <p:sp>
+        <p:nvSpPr>
+          <p:cNvPr id="6" name="TextBox 5">
+            <a:extLst>
+              <a:ext uri="{FF2B5EF4-FFF2-40B4-BE49-F238E27FC236}">
+                <a16:creationId xmlns:a16="http://schemas.microsoft.com/office/drawing/2014/main" id="{0620A1E2-6220-5BD6-DB79-3D82E3942C7C}"/>
+              </a:ext>
+            </a:extLst>
+          </p:cNvPr>
+          <p:cNvSpPr txBox="1"/>
+          <p:nvPr/>
+        </p:nvSpPr>
+        <p:spPr>
+          <a:xfrm>
+            <a:off x="2662754" y="6305176"/>
+            <a:ext cx="8187498" cy="400110"/>
+          </a:xfrm>
+          <a:prstGeom prst="rect">
+            <a:avLst/>
+          </a:prstGeom>
+          <a:noFill/>
+        </p:spPr>
+        <p:txBody>
+          <a:bodyPr wrap="none" rtlCol="0">
+            <a:spAutoFit/>
+          </a:bodyPr>
+          <a:lstStyle/>
+          <a:p>
+            <a:r>
+              <a:rPr lang="en-US" sz="2000" b="1" dirty="0">
+                <a:solidFill>
+                  <a:schemeClr val="accent6">
+                    <a:lumMod val="60000"/>
+                    <a:lumOff val="40000"/>
+                  </a:schemeClr>
+                </a:solidFill>
+              </a:rPr>
+              <a:t>GitHub: </a:t>
+            </a:r>
+            <a:r>
+              <a:rPr lang="en-US" sz="2000" b="1" dirty="0">
+                <a:solidFill>
+                  <a:schemeClr val="accent6">
+                    <a:lumMod val="60000"/>
+                    <a:lumOff val="40000"/>
+                  </a:schemeClr>
+                </a:solidFill>
+                <a:hlinkClick r:id="rId6">
+                  <a:extLst>
+                    <a:ext uri="{A12FA001-AC4F-418D-AE19-62706E023703}">
+                      <ahyp:hlinkClr xmlns:ahyp="http://schemas.microsoft.com/office/drawing/2018/hyperlinkcolor" val="tx"/>
+                    </a:ext>
+                  </a:extLst>
+                </a:hlinkClick>
+              </a:rPr>
+              <a:t>https://github.com/yasenstar/learn_cpp/tree/main/cpp_blocks</a:t>
+            </a:r>
+            <a:endParaRPr lang="en-US" sz="2000" b="1" dirty="0">
+              <a:solidFill>
+                <a:schemeClr val="accent6">
+                  <a:lumMod val="60000"/>
+                  <a:lumOff val="40000"/>
+                </a:schemeClr>
+              </a:solidFill>
+            </a:endParaRPr>
+          </a:p>
+        </p:txBody>
+      </p:sp>
+      <p:pic>
+        <p:nvPicPr>
+          <p:cNvPr id="11" name="Content Placeholder 10">
+            <a:extLst>
+              <a:ext uri="{FF2B5EF4-FFF2-40B4-BE49-F238E27FC236}">
+                <a16:creationId xmlns:a16="http://schemas.microsoft.com/office/drawing/2014/main" id="{6E16FD14-E0C4-5FA6-C031-8E7DEBEBB22F}"/>
+              </a:ext>
+            </a:extLst>
+          </p:cNvPr>
+          <p:cNvPicPr>
+            <a:picLocks noGrp="1" noChangeAspect="1"/>
+          </p:cNvPicPr>
+          <p:nvPr>
+            <p:ph sz="half" idx="2"/>
+          </p:nvPr>
+        </p:nvPicPr>
+        <p:blipFill>
+          <a:blip r:embed="rId7"/>
+          <a:stretch>
+            <a:fillRect/>
+          </a:stretch>
+        </p:blipFill>
+        <p:spPr>
+          <a:xfrm>
+            <a:off x="3817857" y="2303463"/>
+            <a:ext cx="6580226" cy="3893754"/>
+          </a:xfrm>
+          <a:prstGeom prst="rect">
+            <a:avLst/>
+          </a:prstGeom>
+          <a:ln>
+            <a:noFill/>
+          </a:ln>
+          <a:effectLst>
+            <a:outerShdw blurRad="292100" dist="139700" dir="2700000" algn="tl" rotWithShape="0">
+              <a:srgbClr val="333333">
+                <a:alpha val="65000"/>
+              </a:srgbClr>
+            </a:outerShdw>
+          </a:effectLst>
+        </p:spPr>
+      </p:pic>
+    </p:spTree>
+    <p:extLst>
+      <p:ext uri="{BB962C8B-B14F-4D97-AF65-F5344CB8AC3E}">
+        <p14:creationId xmlns:p14="http://schemas.microsoft.com/office/powerpoint/2010/main" val="3367479716"/>
+      </p:ext>
+    </p:extLst>
+  </p:cSld>
+  <p:clrMapOvr>
+    <a:masterClrMapping/>
+  </p:clrMapOvr>
+</p:sld>
+</file>
+
 <file path=ppt/theme/theme1.xml><?xml version="1.0" encoding="utf-8"?>
 <a:theme xmlns:a="http://schemas.openxmlformats.org/drawingml/2006/main" name="Custom">
   <a:themeElements>

--- a/cpp_blocks/C++ Application Development with Code.pptx
+++ b/cpp_blocks/C++ Application Development with Code.pptx
@@ -5,10 +5,10 @@
     <p:sldMasterId id="2147483650" r:id="rId4"/>
   </p:sldMasterIdLst>
   <p:notesMasterIdLst>
-    <p:notesMasterId r:id="rId10"/>
+    <p:notesMasterId r:id="rId11"/>
   </p:notesMasterIdLst>
   <p:handoutMasterIdLst>
-    <p:handoutMasterId r:id="rId11"/>
+    <p:handoutMasterId r:id="rId12"/>
   </p:handoutMasterIdLst>
   <p:sldIdLst>
     <p:sldId id="312" r:id="rId5"/>
@@ -16,6 +16,7 @@
     <p:sldId id="314" r:id="rId7"/>
     <p:sldId id="315" r:id="rId8"/>
     <p:sldId id="316" r:id="rId9"/>
+    <p:sldId id="317" r:id="rId10"/>
   </p:sldIdLst>
   <p:sldSz cx="12192000" cy="6858000"/>
   <p:notesSz cx="13716000" cy="24384000"/>
@@ -778,6 +779,89 @@
     <p:extLst>
       <p:ext uri="{BB962C8B-B14F-4D97-AF65-F5344CB8AC3E}">
         <p14:creationId xmlns:p14="http://schemas.microsoft.com/office/powerpoint/2010/main" val="3878258256"/>
+      </p:ext>
+    </p:extLst>
+  </p:cSld>
+  <p:clrMapOvr>
+    <a:masterClrMapping/>
+  </p:clrMapOvr>
+</p:notes>
+</file>
+
+<file path=ppt/notesSlides/notesSlide4.xml><?xml version="1.0" encoding="utf-8"?>
+<p:notes xmlns:a="http://schemas.openxmlformats.org/drawingml/2006/main" xmlns:r="http://schemas.openxmlformats.org/officeDocument/2006/relationships" xmlns:p="http://schemas.openxmlformats.org/presentationml/2006/main">
+  <p:cSld>
+    <p:spTree>
+      <p:nvGrpSpPr>
+        <p:cNvPr id="1" name=""/>
+        <p:cNvGrpSpPr/>
+        <p:nvPr/>
+      </p:nvGrpSpPr>
+      <p:grpSpPr>
+        <a:xfrm>
+          <a:off x="0" y="0"/>
+          <a:ext cx="0" cy="0"/>
+          <a:chOff x="0" y="0"/>
+          <a:chExt cx="0" cy="0"/>
+        </a:xfrm>
+      </p:grpSpPr>
+      <p:sp>
+        <p:nvSpPr>
+          <p:cNvPr id="2" name="Slide Image Placeholder 1"/>
+          <p:cNvSpPr>
+            <a:spLocks noGrp="1" noRot="1" noChangeAspect="1"/>
+          </p:cNvSpPr>
+          <p:nvPr>
+            <p:ph type="sldImg"/>
+          </p:nvPr>
+        </p:nvSpPr>
+        <p:spPr>
+          <a:xfrm>
+            <a:off x="-457200" y="3048000"/>
+            <a:ext cx="14630400" cy="8229600"/>
+          </a:xfrm>
+          <a:prstGeom prst="rect">
+            <a:avLst/>
+          </a:prstGeom>
+          <a:noFill/>
+          <a:ln w="12700">
+            <a:solidFill>
+              <a:prstClr val="black"/>
+            </a:solidFill>
+          </a:ln>
+        </p:spPr>
+      </p:sp>
+      <p:sp>
+        <p:nvSpPr>
+          <p:cNvPr id="3" name="Notes Placeholder 2"/>
+          <p:cNvSpPr>
+            <a:spLocks noGrp="1"/>
+          </p:cNvSpPr>
+          <p:nvPr>
+            <p:ph type="body" idx="1"/>
+          </p:nvPr>
+        </p:nvSpPr>
+        <p:spPr>
+          <a:xfrm>
+            <a:off x="1371600" y="11734800"/>
+            <a:ext cx="10972800" cy="9601200"/>
+          </a:xfrm>
+          <a:prstGeom prst="rect">
+            <a:avLst/>
+          </a:prstGeom>
+        </p:spPr>
+        <p:txBody>
+          <a:bodyPr/>
+          <a:lstStyle/>
+          <a:p>
+            <a:endParaRPr lang="en-US" dirty="0"/>
+          </a:p>
+        </p:txBody>
+      </p:sp>
+    </p:spTree>
+    <p:extLst>
+      <p:ext uri="{BB962C8B-B14F-4D97-AF65-F5344CB8AC3E}">
+        <p14:creationId xmlns:p14="http://schemas.microsoft.com/office/powerpoint/2010/main" val="3534439584"/>
       </p:ext>
     </p:extLst>
   </p:cSld>
@@ -17973,10 +18057,9 @@
           <a:lstStyle/>
           <a:p>
             <a:r>
-              <a:rPr lang="en-US"/>
+              <a:rPr lang="en-US" dirty="0"/>
               <a:t>Create First App with Code::Blocks</a:t>
             </a:r>
-            <a:endParaRPr lang="en-US" dirty="0"/>
           </a:p>
         </p:txBody>
       </p:sp>
@@ -18262,6 +18345,330 @@
     <p:extLst>
       <p:ext uri="{BB962C8B-B14F-4D97-AF65-F5344CB8AC3E}">
         <p14:creationId xmlns:p14="http://schemas.microsoft.com/office/powerpoint/2010/main" val="3367479716"/>
+      </p:ext>
+    </p:extLst>
+  </p:cSld>
+  <p:clrMapOvr>
+    <a:masterClrMapping/>
+  </p:clrMapOvr>
+</p:sld>
+</file>
+
+<file path=ppt/slides/slide6.xml><?xml version="1.0" encoding="utf-8"?>
+<p:sld xmlns:a="http://schemas.openxmlformats.org/drawingml/2006/main" xmlns:r="http://schemas.openxmlformats.org/officeDocument/2006/relationships" xmlns:p="http://schemas.openxmlformats.org/presentationml/2006/main">
+  <p:cSld>
+    <p:spTree>
+      <p:nvGrpSpPr>
+        <p:cNvPr id="1" name=""/>
+        <p:cNvGrpSpPr/>
+        <p:nvPr/>
+      </p:nvGrpSpPr>
+      <p:grpSpPr>
+        <a:xfrm>
+          <a:off x="0" y="0"/>
+          <a:ext cx="0" cy="0"/>
+          <a:chOff x="0" y="0"/>
+          <a:chExt cx="0" cy="0"/>
+        </a:xfrm>
+      </p:grpSpPr>
+      <p:sp>
+        <p:nvSpPr>
+          <p:cNvPr id="2" name="Title 1">
+            <a:extLst>
+              <a:ext uri="{FF2B5EF4-FFF2-40B4-BE49-F238E27FC236}">
+                <a16:creationId xmlns:a16="http://schemas.microsoft.com/office/drawing/2014/main" id="{4207FF65-A536-F639-8591-ED024C223308}"/>
+              </a:ext>
+            </a:extLst>
+          </p:cNvPr>
+          <p:cNvSpPr>
+            <a:spLocks noGrp="1"/>
+          </p:cNvSpPr>
+          <p:nvPr>
+            <p:ph type="title"/>
+          </p:nvPr>
+        </p:nvSpPr>
+        <p:spPr/>
+        <p:txBody>
+          <a:bodyPr anchor="ctr"/>
+          <a:lstStyle/>
+          <a:p>
+            <a:r>
+              <a:rPr lang="en-US" dirty="0"/>
+              <a:t>2.2 Project in </a:t>
+            </a:r>
+            <a:r>
+              <a:rPr lang="en-US" sz="3200" dirty="0"/>
+              <a:t>Code::Blocks</a:t>
+            </a:r>
+            <a:endParaRPr lang="en-US" dirty="0"/>
+          </a:p>
+        </p:txBody>
+      </p:sp>
+      <p:sp>
+        <p:nvSpPr>
+          <p:cNvPr id="3" name="TextBox 2">
+            <a:extLst>
+              <a:ext uri="{FF2B5EF4-FFF2-40B4-BE49-F238E27FC236}">
+                <a16:creationId xmlns:a16="http://schemas.microsoft.com/office/drawing/2014/main" id="{C0294719-0CD6-3563-2660-3275824870D0}"/>
+              </a:ext>
+            </a:extLst>
+          </p:cNvPr>
+          <p:cNvSpPr txBox="1"/>
+          <p:nvPr/>
+        </p:nvSpPr>
+        <p:spPr>
+          <a:xfrm>
+            <a:off x="420253" y="127600"/>
+            <a:ext cx="1686679" cy="1107996"/>
+          </a:xfrm>
+          <a:prstGeom prst="rect">
+            <a:avLst/>
+          </a:prstGeom>
+          <a:noFill/>
+        </p:spPr>
+        <p:txBody>
+          <a:bodyPr wrap="none" rtlCol="0">
+            <a:spAutoFit/>
+          </a:bodyPr>
+          <a:lstStyle/>
+          <a:p>
+            <a:pPr algn="ctr"/>
+            <a:r>
+              <a:rPr lang="en-US" sz="6600" dirty="0">
+                <a:latin typeface="Algerian" panose="04020705040A02060702" pitchFamily="82" charset="0"/>
+              </a:rPr>
+              <a:t>004</a:t>
+            </a:r>
+          </a:p>
+        </p:txBody>
+      </p:sp>
+      <p:pic>
+        <p:nvPicPr>
+          <p:cNvPr id="4" name="Picture 3">
+            <a:extLst>
+              <a:ext uri="{FF2B5EF4-FFF2-40B4-BE49-F238E27FC236}">
+                <a16:creationId xmlns:a16="http://schemas.microsoft.com/office/drawing/2014/main" id="{559E9607-3B2C-C761-ADFD-622B991A4537}"/>
+              </a:ext>
+            </a:extLst>
+          </p:cNvPr>
+          <p:cNvPicPr>
+            <a:picLocks noChangeAspect="1"/>
+          </p:cNvPicPr>
+          <p:nvPr/>
+        </p:nvPicPr>
+        <p:blipFill>
+          <a:blip r:embed="rId3"/>
+          <a:stretch>
+            <a:fillRect/>
+          </a:stretch>
+        </p:blipFill>
+        <p:spPr>
+          <a:xfrm>
+            <a:off x="203277" y="6284428"/>
+            <a:ext cx="2120630" cy="441606"/>
+          </a:xfrm>
+          <a:prstGeom prst="rect">
+            <a:avLst/>
+          </a:prstGeom>
+          <a:ln>
+            <a:noFill/>
+          </a:ln>
+          <a:effectLst>
+            <a:outerShdw blurRad="292100" dist="139700" dir="2700000" algn="tl" rotWithShape="0">
+              <a:srgbClr val="333333">
+                <a:alpha val="65000"/>
+              </a:srgbClr>
+            </a:outerShdw>
+          </a:effectLst>
+        </p:spPr>
+      </p:pic>
+      <p:pic>
+        <p:nvPicPr>
+          <p:cNvPr id="1026" name="Picture 2">
+            <a:extLst>
+              <a:ext uri="{FF2B5EF4-FFF2-40B4-BE49-F238E27FC236}">
+                <a16:creationId xmlns:a16="http://schemas.microsoft.com/office/drawing/2014/main" id="{68EF0A91-BC08-2472-710F-97A70A2E6CDC}"/>
+              </a:ext>
+            </a:extLst>
+          </p:cNvPr>
+          <p:cNvPicPr>
+            <a:picLocks noChangeAspect="1" noChangeArrowheads="1"/>
+          </p:cNvPicPr>
+          <p:nvPr/>
+        </p:nvPicPr>
+        <p:blipFill>
+          <a:blip r:embed="rId4">
+            <a:extLst>
+              <a:ext uri="{28A0092B-C50C-407E-A947-70E740481C1C}">
+                <a14:useLocalDpi xmlns:a14="http://schemas.microsoft.com/office/drawing/2010/main" val="0"/>
+              </a:ext>
+            </a:extLst>
+          </a:blip>
+          <a:srcRect/>
+          <a:stretch>
+            <a:fillRect/>
+          </a:stretch>
+        </p:blipFill>
+        <p:spPr bwMode="auto">
+          <a:xfrm>
+            <a:off x="258014" y="1701932"/>
+            <a:ext cx="2011156" cy="2898064"/>
+          </a:xfrm>
+          <a:prstGeom prst="roundRect">
+            <a:avLst>
+              <a:gd name="adj" fmla="val 8594"/>
+            </a:avLst>
+          </a:prstGeom>
+          <a:solidFill>
+            <a:srgbClr val="FFFFFF">
+              <a:shade val="85000"/>
+            </a:srgbClr>
+          </a:solidFill>
+          <a:ln>
+            <a:noFill/>
+          </a:ln>
+          <a:effectLst>
+            <a:reflection blurRad="12700" stA="38000" endPos="28000" dist="5000" dir="5400000" sy="-100000" algn="bl" rotWithShape="0"/>
+          </a:effectLst>
+        </p:spPr>
+      </p:pic>
+      <p:pic>
+        <p:nvPicPr>
+          <p:cNvPr id="5" name="Picture 4">
+            <a:extLst>
+              <a:ext uri="{FF2B5EF4-FFF2-40B4-BE49-F238E27FC236}">
+                <a16:creationId xmlns:a16="http://schemas.microsoft.com/office/drawing/2014/main" id="{CB03C523-2DA0-4EFA-2C1D-2F9B862D96EE}"/>
+              </a:ext>
+            </a:extLst>
+          </p:cNvPr>
+          <p:cNvPicPr>
+            <a:picLocks noChangeAspect="1"/>
+          </p:cNvPicPr>
+          <p:nvPr/>
+        </p:nvPicPr>
+        <p:blipFill>
+          <a:blip r:embed="rId5"/>
+          <a:stretch>
+            <a:fillRect/>
+          </a:stretch>
+        </p:blipFill>
+        <p:spPr>
+          <a:xfrm>
+            <a:off x="2550736" y="63109"/>
+            <a:ext cx="994164" cy="994164"/>
+          </a:xfrm>
+          <a:prstGeom prst="rect">
+            <a:avLst/>
+          </a:prstGeom>
+          <a:ln>
+            <a:noFill/>
+          </a:ln>
+          <a:effectLst>
+            <a:outerShdw blurRad="292100" dist="139700" dir="2700000" algn="tl" rotWithShape="0">
+              <a:srgbClr val="333333">
+                <a:alpha val="65000"/>
+              </a:srgbClr>
+            </a:outerShdw>
+          </a:effectLst>
+        </p:spPr>
+      </p:pic>
+      <p:sp>
+        <p:nvSpPr>
+          <p:cNvPr id="6" name="TextBox 5">
+            <a:extLst>
+              <a:ext uri="{FF2B5EF4-FFF2-40B4-BE49-F238E27FC236}">
+                <a16:creationId xmlns:a16="http://schemas.microsoft.com/office/drawing/2014/main" id="{0620A1E2-6220-5BD6-DB79-3D82E3942C7C}"/>
+              </a:ext>
+            </a:extLst>
+          </p:cNvPr>
+          <p:cNvSpPr txBox="1"/>
+          <p:nvPr/>
+        </p:nvSpPr>
+        <p:spPr>
+          <a:xfrm>
+            <a:off x="2662754" y="6305176"/>
+            <a:ext cx="8187498" cy="400110"/>
+          </a:xfrm>
+          <a:prstGeom prst="rect">
+            <a:avLst/>
+          </a:prstGeom>
+          <a:noFill/>
+        </p:spPr>
+        <p:txBody>
+          <a:bodyPr wrap="none" rtlCol="0">
+            <a:spAutoFit/>
+          </a:bodyPr>
+          <a:lstStyle/>
+          <a:p>
+            <a:r>
+              <a:rPr lang="en-US" sz="2000" b="1" dirty="0">
+                <a:solidFill>
+                  <a:schemeClr val="accent6">
+                    <a:lumMod val="60000"/>
+                    <a:lumOff val="40000"/>
+                  </a:schemeClr>
+                </a:solidFill>
+              </a:rPr>
+              <a:t>GitHub: </a:t>
+            </a:r>
+            <a:r>
+              <a:rPr lang="en-US" sz="2000" b="1" dirty="0">
+                <a:solidFill>
+                  <a:schemeClr val="accent6">
+                    <a:lumMod val="60000"/>
+                    <a:lumOff val="40000"/>
+                  </a:schemeClr>
+                </a:solidFill>
+                <a:hlinkClick r:id="rId6">
+                  <a:extLst>
+                    <a:ext uri="{A12FA001-AC4F-418D-AE19-62706E023703}">
+                      <ahyp:hlinkClr xmlns:ahyp="http://schemas.microsoft.com/office/drawing/2018/hyperlinkcolor" val="tx"/>
+                    </a:ext>
+                  </a:extLst>
+                </a:hlinkClick>
+              </a:rPr>
+              <a:t>https://github.com/yasenstar/learn_cpp/tree/main/cpp_blocks</a:t>
+            </a:r>
+            <a:endParaRPr lang="en-US" sz="2000" b="1" dirty="0">
+              <a:solidFill>
+                <a:schemeClr val="accent6">
+                  <a:lumMod val="60000"/>
+                  <a:lumOff val="40000"/>
+                </a:schemeClr>
+              </a:solidFill>
+            </a:endParaRPr>
+          </a:p>
+        </p:txBody>
+      </p:sp>
+      <p:sp>
+        <p:nvSpPr>
+          <p:cNvPr id="8" name="Content Placeholder 7">
+            <a:extLst>
+              <a:ext uri="{FF2B5EF4-FFF2-40B4-BE49-F238E27FC236}">
+                <a16:creationId xmlns:a16="http://schemas.microsoft.com/office/drawing/2014/main" id="{6121EB86-5B03-7C90-9BBD-5E59C95191AA}"/>
+              </a:ext>
+            </a:extLst>
+          </p:cNvPr>
+          <p:cNvSpPr>
+            <a:spLocks noGrp="1"/>
+          </p:cNvSpPr>
+          <p:nvPr>
+            <p:ph sz="half" idx="2"/>
+          </p:nvPr>
+        </p:nvSpPr>
+        <p:spPr/>
+        <p:txBody>
+          <a:bodyPr/>
+          <a:lstStyle/>
+          <a:p>
+            <a:endParaRPr lang="en-US"/>
+          </a:p>
+        </p:txBody>
+      </p:sp>
+    </p:spTree>
+    <p:extLst>
+      <p:ext uri="{BB962C8B-B14F-4D97-AF65-F5344CB8AC3E}">
+        <p14:creationId xmlns:p14="http://schemas.microsoft.com/office/powerpoint/2010/main" val="3115933670"/>
       </p:ext>
     </p:extLst>
   </p:cSld>
